--- a/Presentations/20200423 OGC API Tiles Sprint Day 1.pptx
+++ b/Presentations/20200423 OGC API Tiles Sprint Day 1.pptx
@@ -8335,10 +8335,10 @@
       </p:sp>
       <p:pic>
         <p:nvPicPr>
-          <p:cNvPr id="7" name="Picture 6" descr="A screenshot of a cell phone&#10;&#10;Description automatically generated">
+          <p:cNvPr id="5" name="Picture 4" descr="A screenshot of a cell phone&#10;&#10;Description automatically generated">
             <a:extLst>
               <a:ext uri="{FF2B5EF4-FFF2-40B4-BE49-F238E27FC236}">
-                <a16:creationId xmlns:a16="http://schemas.microsoft.com/office/drawing/2014/main" id="{7E45876F-D24D-D04B-A118-98C1EACF05C9}"/>
+                <a16:creationId xmlns:a16="http://schemas.microsoft.com/office/drawing/2014/main" id="{039D4972-8CDF-FA4D-9E78-148C89120DBB}"/>
               </a:ext>
             </a:extLst>
           </p:cNvPr>
@@ -8361,8 +8361,8 @@
         </p:blipFill>
         <p:spPr>
           <a:xfrm>
-            <a:off x="2133600" y="906628"/>
-            <a:ext cx="7770312" cy="5943489"/>
+            <a:off x="685800" y="884396"/>
+            <a:ext cx="11296650" cy="5313203"/>
           </a:xfrm>
           <a:prstGeom prst="rect">
             <a:avLst/>
@@ -8944,10 +8944,10 @@
       </p:sp>
       <p:pic>
         <p:nvPicPr>
-          <p:cNvPr id="7" name="Picture 6" descr="A screenshot of a cell phone&#10;&#10;Description automatically generated">
+          <p:cNvPr id="5" name="Picture 4" descr="A screenshot of a cell phone&#10;&#10;Description automatically generated">
             <a:extLst>
               <a:ext uri="{FF2B5EF4-FFF2-40B4-BE49-F238E27FC236}">
-                <a16:creationId xmlns:a16="http://schemas.microsoft.com/office/drawing/2014/main" id="{7E45876F-D24D-D04B-A118-98C1EACF05C9}"/>
+                <a16:creationId xmlns:a16="http://schemas.microsoft.com/office/drawing/2014/main" id="{14D06BE2-96AC-C646-934D-41F09452B932}"/>
               </a:ext>
             </a:extLst>
           </p:cNvPr>
@@ -8970,8 +8970,8 @@
         </p:blipFill>
         <p:spPr>
           <a:xfrm>
-            <a:off x="2133600" y="906628"/>
-            <a:ext cx="7770312" cy="5943489"/>
+            <a:off x="762000" y="920236"/>
+            <a:ext cx="11220450" cy="5277364"/>
           </a:xfrm>
           <a:prstGeom prst="rect">
             <a:avLst/>

--- a/Presentations/20200423 OGC API Tiles Sprint Day 1.pptx
+++ b/Presentations/20200423 OGC API Tiles Sprint Day 1.pptx
@@ -8472,22 +8472,28 @@
           <a:p>
             <a:r>
               <a:rPr lang="en-US" dirty="0"/>
-              <a:t>Scope of the OGC API – Tiles Sprint</a:t>
+              <a:t>Objectives of the OGC API – Tiles Sprint</a:t>
             </a:r>
           </a:p>
           <a:p>
             <a:pPr lvl="1"/>
             <a:r>
               <a:rPr lang="en-US" dirty="0"/>
-              <a:t>API development and testing, using one or more implementations of OGC API – Tiles and </a:t>
-            </a:r>
-            <a:r>
-              <a:rPr lang="en-US" dirty="0" err="1"/>
-              <a:t>OpenAPI</a:t>
-            </a:r>
+              <a:t>Develop implementations of OGC API – Tiles</a:t>
+            </a:r>
+          </a:p>
+          <a:p>
+            <a:pPr lvl="1"/>
             <a:r>
               <a:rPr lang="en-US" dirty="0"/>
-              <a:t> 3.0 (the successor of Swagger).</a:t>
+              <a:t>Test implementations of OGC API – Tiles (including those from VTP2)</a:t>
+            </a:r>
+          </a:p>
+          <a:p>
+            <a:pPr lvl="1"/>
+            <a:r>
+              <a:rPr lang="en-US" dirty="0"/>
+              <a:t>Provide feedback on the specification</a:t>
             </a:r>
           </a:p>
           <a:p>

--- a/Presentations/20200423 OGC API Tiles Sprint Day 1.pptx
+++ b/Presentations/20200423 OGC API Tiles Sprint Day 1.pptx
@@ -8335,10 +8335,10 @@
       </p:sp>
       <p:pic>
         <p:nvPicPr>
-          <p:cNvPr id="5" name="Picture 4" descr="A screenshot of a cell phone&#10;&#10;Description automatically generated">
+          <p:cNvPr id="6" name="Picture 5">
             <a:extLst>
               <a:ext uri="{FF2B5EF4-FFF2-40B4-BE49-F238E27FC236}">
-                <a16:creationId xmlns:a16="http://schemas.microsoft.com/office/drawing/2014/main" id="{039D4972-8CDF-FA4D-9E78-148C89120DBB}"/>
+                <a16:creationId xmlns:a16="http://schemas.microsoft.com/office/drawing/2014/main" id="{36700FF3-B414-B946-876B-3AE76DCA769A}"/>
               </a:ext>
             </a:extLst>
           </p:cNvPr>
@@ -8361,8 +8361,8 @@
         </p:blipFill>
         <p:spPr>
           <a:xfrm>
-            <a:off x="685800" y="884396"/>
-            <a:ext cx="11296650" cy="5313203"/>
+            <a:off x="685800" y="1195754"/>
+            <a:ext cx="11271250" cy="4652596"/>
           </a:xfrm>
           <a:prstGeom prst="rect">
             <a:avLst/>
@@ -8904,7 +8904,12 @@
             <p:ph type="title"/>
           </p:nvPr>
         </p:nvSpPr>
-        <p:spPr/>
+        <p:spPr>
+          <a:xfrm>
+            <a:off x="307181" y="148004"/>
+            <a:ext cx="11577637" cy="685800"/>
+          </a:xfrm>
+        </p:spPr>
         <p:txBody>
           <a:bodyPr/>
           <a:lstStyle/>
@@ -8950,10 +8955,10 @@
       </p:sp>
       <p:pic>
         <p:nvPicPr>
-          <p:cNvPr id="5" name="Picture 4" descr="A screenshot of a cell phone&#10;&#10;Description automatically generated">
+          <p:cNvPr id="6" name="Picture 5">
             <a:extLst>
               <a:ext uri="{FF2B5EF4-FFF2-40B4-BE49-F238E27FC236}">
-                <a16:creationId xmlns:a16="http://schemas.microsoft.com/office/drawing/2014/main" id="{14D06BE2-96AC-C646-934D-41F09452B932}"/>
+                <a16:creationId xmlns:a16="http://schemas.microsoft.com/office/drawing/2014/main" id="{B0C61FE3-2DF8-9249-8862-FE54E5C56EC9}"/>
               </a:ext>
             </a:extLst>
           </p:cNvPr>
@@ -8976,8 +8981,8 @@
         </p:blipFill>
         <p:spPr>
           <a:xfrm>
-            <a:off x="762000" y="920236"/>
-            <a:ext cx="11220450" cy="5277364"/>
+            <a:off x="685800" y="1195754"/>
+            <a:ext cx="11271250" cy="4652596"/>
           </a:xfrm>
           <a:prstGeom prst="rect">
             <a:avLst/>
